--- a/Proof of concept.pptx
+++ b/Proof of concept.pptx
@@ -4,11 +4,16 @@
   <p:sldMasterIdLst>
     <p:sldMasterId id="2147483648" r:id="rId1"/>
   </p:sldMasterIdLst>
+  <p:notesMasterIdLst>
+    <p:notesMasterId r:id="rId8"/>
+  </p:notesMasterIdLst>
   <p:sldIdLst>
     <p:sldId id="256" r:id="rId2"/>
     <p:sldId id="257" r:id="rId3"/>
-    <p:sldId id="258" r:id="rId4"/>
-    <p:sldId id="259" r:id="rId5"/>
+    <p:sldId id="260" r:id="rId4"/>
+    <p:sldId id="258" r:id="rId5"/>
+    <p:sldId id="259" r:id="rId6"/>
+    <p:sldId id="261" r:id="rId7"/>
   </p:sldIdLst>
   <p:sldSz cx="12192000" cy="6858000"/>
   <p:notesSz cx="6858000" cy="9144000"/>
@@ -107,7 +112,446 @@
       </a:defRPr>
     </a:lvl9pPr>
   </p:defaultTextStyle>
+  <p:extLst>
+    <p:ext uri="{EFAFB233-063F-42B5-8137-9DF3F51BA10A}">
+      <p15:sldGuideLst xmlns:p15="http://schemas.microsoft.com/office/powerpoint/2012/main"/>
+    </p:ext>
+  </p:extLst>
 </p:presentation>
+</file>
+
+<file path=ppt/notesMasters/notesMaster1.xml><?xml version="1.0" encoding="utf-8"?>
+<p:notesMaster xmlns:a="http://schemas.openxmlformats.org/drawingml/2006/main" xmlns:r="http://schemas.openxmlformats.org/officeDocument/2006/relationships" xmlns:p="http://schemas.openxmlformats.org/presentationml/2006/main">
+  <p:cSld>
+    <p:bg>
+      <p:bgRef idx="1001">
+        <a:schemeClr val="bg1"/>
+      </p:bgRef>
+    </p:bg>
+    <p:spTree>
+      <p:nvGrpSpPr>
+        <p:cNvPr id="1" name=""/>
+        <p:cNvGrpSpPr/>
+        <p:nvPr/>
+      </p:nvGrpSpPr>
+      <p:grpSpPr>
+        <a:xfrm>
+          <a:off x="0" y="0"/>
+          <a:ext cx="0" cy="0"/>
+          <a:chOff x="0" y="0"/>
+          <a:chExt cx="0" cy="0"/>
+        </a:xfrm>
+      </p:grpSpPr>
+      <p:sp>
+        <p:nvSpPr>
+          <p:cNvPr id="2" name="Espace réservé de l'en-tête 1"/>
+          <p:cNvSpPr>
+            <a:spLocks noGrp="1"/>
+          </p:cNvSpPr>
+          <p:nvPr>
+            <p:ph type="hdr" sz="quarter"/>
+          </p:nvPr>
+        </p:nvSpPr>
+        <p:spPr>
+          <a:xfrm>
+            <a:off x="0" y="0"/>
+            <a:ext cx="2971800" cy="458788"/>
+          </a:xfrm>
+          <a:prstGeom prst="rect">
+            <a:avLst/>
+          </a:prstGeom>
+        </p:spPr>
+        <p:txBody>
+          <a:bodyPr vert="horz" lIns="91440" tIns="45720" rIns="91440" bIns="45720" rtlCol="0"/>
+          <a:lstStyle>
+            <a:lvl1pPr algn="l">
+              <a:defRPr sz="1200"/>
+            </a:lvl1pPr>
+          </a:lstStyle>
+          <a:p>
+            <a:endParaRPr lang="fr-BE"/>
+          </a:p>
+        </p:txBody>
+      </p:sp>
+      <p:sp>
+        <p:nvSpPr>
+          <p:cNvPr id="3" name="Espace réservé de la date 2"/>
+          <p:cNvSpPr>
+            <a:spLocks noGrp="1"/>
+          </p:cNvSpPr>
+          <p:nvPr>
+            <p:ph type="dt" idx="1"/>
+          </p:nvPr>
+        </p:nvSpPr>
+        <p:spPr>
+          <a:xfrm>
+            <a:off x="3884613" y="0"/>
+            <a:ext cx="2971800" cy="458788"/>
+          </a:xfrm>
+          <a:prstGeom prst="rect">
+            <a:avLst/>
+          </a:prstGeom>
+        </p:spPr>
+        <p:txBody>
+          <a:bodyPr vert="horz" lIns="91440" tIns="45720" rIns="91440" bIns="45720" rtlCol="0"/>
+          <a:lstStyle>
+            <a:lvl1pPr algn="r">
+              <a:defRPr sz="1200"/>
+            </a:lvl1pPr>
+          </a:lstStyle>
+          <a:p>
+            <a:fld id="{BB4E51AD-ADF9-4EE1-AF66-CEEA86EF045D}" type="datetimeFigureOut">
+              <a:rPr lang="fr-BE" smtClean="0"/>
+              <a:t>24-06-21</a:t>
+            </a:fld>
+            <a:endParaRPr lang="fr-BE"/>
+          </a:p>
+        </p:txBody>
+      </p:sp>
+      <p:sp>
+        <p:nvSpPr>
+          <p:cNvPr id="4" name="Espace réservé de l'image des diapositives 3"/>
+          <p:cNvSpPr>
+            <a:spLocks noGrp="1" noRot="1" noChangeAspect="1"/>
+          </p:cNvSpPr>
+          <p:nvPr>
+            <p:ph type="sldImg" idx="2"/>
+          </p:nvPr>
+        </p:nvSpPr>
+        <p:spPr>
+          <a:xfrm>
+            <a:off x="685800" y="1143000"/>
+            <a:ext cx="5486400" cy="3086100"/>
+          </a:xfrm>
+          <a:prstGeom prst="rect">
+            <a:avLst/>
+          </a:prstGeom>
+          <a:noFill/>
+          <a:ln w="12700">
+            <a:solidFill>
+              <a:prstClr val="black"/>
+            </a:solidFill>
+          </a:ln>
+        </p:spPr>
+        <p:txBody>
+          <a:bodyPr vert="horz" lIns="91440" tIns="45720" rIns="91440" bIns="45720" rtlCol="0" anchor="ctr"/>
+          <a:lstStyle/>
+          <a:p>
+            <a:endParaRPr lang="fr-BE"/>
+          </a:p>
+        </p:txBody>
+      </p:sp>
+      <p:sp>
+        <p:nvSpPr>
+          <p:cNvPr id="5" name="Espace réservé des notes 4"/>
+          <p:cNvSpPr>
+            <a:spLocks noGrp="1"/>
+          </p:cNvSpPr>
+          <p:nvPr>
+            <p:ph type="body" sz="quarter" idx="3"/>
+          </p:nvPr>
+        </p:nvSpPr>
+        <p:spPr>
+          <a:xfrm>
+            <a:off x="685800" y="4400550"/>
+            <a:ext cx="5486400" cy="3600450"/>
+          </a:xfrm>
+          <a:prstGeom prst="rect">
+            <a:avLst/>
+          </a:prstGeom>
+        </p:spPr>
+        <p:txBody>
+          <a:bodyPr vert="horz" lIns="91440" tIns="45720" rIns="91440" bIns="45720" rtlCol="0"/>
+          <a:lstStyle/>
+          <a:p>
+            <a:pPr lvl="0"/>
+            <a:r>
+              <a:rPr lang="fr-FR"/>
+              <a:t>Cliquez pour modifier les styles du texte du masque</a:t>
+            </a:r>
+          </a:p>
+          <a:p>
+            <a:pPr lvl="1"/>
+            <a:r>
+              <a:rPr lang="fr-FR"/>
+              <a:t>Deuxième niveau</a:t>
+            </a:r>
+          </a:p>
+          <a:p>
+            <a:pPr lvl="2"/>
+            <a:r>
+              <a:rPr lang="fr-FR"/>
+              <a:t>Troisième niveau</a:t>
+            </a:r>
+          </a:p>
+          <a:p>
+            <a:pPr lvl="3"/>
+            <a:r>
+              <a:rPr lang="fr-FR"/>
+              <a:t>Quatrième niveau</a:t>
+            </a:r>
+          </a:p>
+          <a:p>
+            <a:pPr lvl="4"/>
+            <a:r>
+              <a:rPr lang="fr-FR"/>
+              <a:t>Cinquième niveau</a:t>
+            </a:r>
+            <a:endParaRPr lang="fr-BE"/>
+          </a:p>
+        </p:txBody>
+      </p:sp>
+      <p:sp>
+        <p:nvSpPr>
+          <p:cNvPr id="6" name="Espace réservé du pied de page 5"/>
+          <p:cNvSpPr>
+            <a:spLocks noGrp="1"/>
+          </p:cNvSpPr>
+          <p:nvPr>
+            <p:ph type="ftr" sz="quarter" idx="4"/>
+          </p:nvPr>
+        </p:nvSpPr>
+        <p:spPr>
+          <a:xfrm>
+            <a:off x="0" y="8685213"/>
+            <a:ext cx="2971800" cy="458787"/>
+          </a:xfrm>
+          <a:prstGeom prst="rect">
+            <a:avLst/>
+          </a:prstGeom>
+        </p:spPr>
+        <p:txBody>
+          <a:bodyPr vert="horz" lIns="91440" tIns="45720" rIns="91440" bIns="45720" rtlCol="0" anchor="b"/>
+          <a:lstStyle>
+            <a:lvl1pPr algn="l">
+              <a:defRPr sz="1200"/>
+            </a:lvl1pPr>
+          </a:lstStyle>
+          <a:p>
+            <a:endParaRPr lang="fr-BE"/>
+          </a:p>
+        </p:txBody>
+      </p:sp>
+      <p:sp>
+        <p:nvSpPr>
+          <p:cNvPr id="7" name="Espace réservé du numéro de diapositive 6"/>
+          <p:cNvSpPr>
+            <a:spLocks noGrp="1"/>
+          </p:cNvSpPr>
+          <p:nvPr>
+            <p:ph type="sldNum" sz="quarter" idx="5"/>
+          </p:nvPr>
+        </p:nvSpPr>
+        <p:spPr>
+          <a:xfrm>
+            <a:off x="3884613" y="8685213"/>
+            <a:ext cx="2971800" cy="458787"/>
+          </a:xfrm>
+          <a:prstGeom prst="rect">
+            <a:avLst/>
+          </a:prstGeom>
+        </p:spPr>
+        <p:txBody>
+          <a:bodyPr vert="horz" lIns="91440" tIns="45720" rIns="91440" bIns="45720" rtlCol="0" anchor="b"/>
+          <a:lstStyle>
+            <a:lvl1pPr algn="r">
+              <a:defRPr sz="1200"/>
+            </a:lvl1pPr>
+          </a:lstStyle>
+          <a:p>
+            <a:fld id="{8443086A-68B9-43CF-A366-C0FD75F6BBD1}" type="slidenum">
+              <a:rPr lang="fr-BE" smtClean="0"/>
+              <a:t>‹N°›</a:t>
+            </a:fld>
+            <a:endParaRPr lang="fr-BE"/>
+          </a:p>
+        </p:txBody>
+      </p:sp>
+    </p:spTree>
+    <p:extLst>
+      <p:ext uri="{BB962C8B-B14F-4D97-AF65-F5344CB8AC3E}">
+        <p14:creationId xmlns:p14="http://schemas.microsoft.com/office/powerpoint/2010/main" val="762084513"/>
+      </p:ext>
+    </p:extLst>
+  </p:cSld>
+  <p:clrMap bg1="lt1" tx1="dk1" bg2="lt2" tx2="dk2" accent1="accent1" accent2="accent2" accent3="accent3" accent4="accent4" accent5="accent5" accent6="accent6" hlink="hlink" folHlink="folHlink"/>
+  <p:notesStyle>
+    <a:lvl1pPr marL="0" algn="l" defTabSz="914400" rtl="0" eaLnBrk="1" latinLnBrk="0" hangingPunct="1">
+      <a:defRPr sz="1200" kern="1200">
+        <a:solidFill>
+          <a:schemeClr val="tx1"/>
+        </a:solidFill>
+        <a:latin typeface="+mn-lt"/>
+        <a:ea typeface="+mn-ea"/>
+        <a:cs typeface="+mn-cs"/>
+      </a:defRPr>
+    </a:lvl1pPr>
+    <a:lvl2pPr marL="457200" algn="l" defTabSz="914400" rtl="0" eaLnBrk="1" latinLnBrk="0" hangingPunct="1">
+      <a:defRPr sz="1200" kern="1200">
+        <a:solidFill>
+          <a:schemeClr val="tx1"/>
+        </a:solidFill>
+        <a:latin typeface="+mn-lt"/>
+        <a:ea typeface="+mn-ea"/>
+        <a:cs typeface="+mn-cs"/>
+      </a:defRPr>
+    </a:lvl2pPr>
+    <a:lvl3pPr marL="914400" algn="l" defTabSz="914400" rtl="0" eaLnBrk="1" latinLnBrk="0" hangingPunct="1">
+      <a:defRPr sz="1200" kern="1200">
+        <a:solidFill>
+          <a:schemeClr val="tx1"/>
+        </a:solidFill>
+        <a:latin typeface="+mn-lt"/>
+        <a:ea typeface="+mn-ea"/>
+        <a:cs typeface="+mn-cs"/>
+      </a:defRPr>
+    </a:lvl3pPr>
+    <a:lvl4pPr marL="1371600" algn="l" defTabSz="914400" rtl="0" eaLnBrk="1" latinLnBrk="0" hangingPunct="1">
+      <a:defRPr sz="1200" kern="1200">
+        <a:solidFill>
+          <a:schemeClr val="tx1"/>
+        </a:solidFill>
+        <a:latin typeface="+mn-lt"/>
+        <a:ea typeface="+mn-ea"/>
+        <a:cs typeface="+mn-cs"/>
+      </a:defRPr>
+    </a:lvl4pPr>
+    <a:lvl5pPr marL="1828800" algn="l" defTabSz="914400" rtl="0" eaLnBrk="1" latinLnBrk="0" hangingPunct="1">
+      <a:defRPr sz="1200" kern="1200">
+        <a:solidFill>
+          <a:schemeClr val="tx1"/>
+        </a:solidFill>
+        <a:latin typeface="+mn-lt"/>
+        <a:ea typeface="+mn-ea"/>
+        <a:cs typeface="+mn-cs"/>
+      </a:defRPr>
+    </a:lvl5pPr>
+    <a:lvl6pPr marL="2286000" algn="l" defTabSz="914400" rtl="0" eaLnBrk="1" latinLnBrk="0" hangingPunct="1">
+      <a:defRPr sz="1200" kern="1200">
+        <a:solidFill>
+          <a:schemeClr val="tx1"/>
+        </a:solidFill>
+        <a:latin typeface="+mn-lt"/>
+        <a:ea typeface="+mn-ea"/>
+        <a:cs typeface="+mn-cs"/>
+      </a:defRPr>
+    </a:lvl6pPr>
+    <a:lvl7pPr marL="2743200" algn="l" defTabSz="914400" rtl="0" eaLnBrk="1" latinLnBrk="0" hangingPunct="1">
+      <a:defRPr sz="1200" kern="1200">
+        <a:solidFill>
+          <a:schemeClr val="tx1"/>
+        </a:solidFill>
+        <a:latin typeface="+mn-lt"/>
+        <a:ea typeface="+mn-ea"/>
+        <a:cs typeface="+mn-cs"/>
+      </a:defRPr>
+    </a:lvl7pPr>
+    <a:lvl8pPr marL="3200400" algn="l" defTabSz="914400" rtl="0" eaLnBrk="1" latinLnBrk="0" hangingPunct="1">
+      <a:defRPr sz="1200" kern="1200">
+        <a:solidFill>
+          <a:schemeClr val="tx1"/>
+        </a:solidFill>
+        <a:latin typeface="+mn-lt"/>
+        <a:ea typeface="+mn-ea"/>
+        <a:cs typeface="+mn-cs"/>
+      </a:defRPr>
+    </a:lvl8pPr>
+    <a:lvl9pPr marL="3657600" algn="l" defTabSz="914400" rtl="0" eaLnBrk="1" latinLnBrk="0" hangingPunct="1">
+      <a:defRPr sz="1200" kern="1200">
+        <a:solidFill>
+          <a:schemeClr val="tx1"/>
+        </a:solidFill>
+        <a:latin typeface="+mn-lt"/>
+        <a:ea typeface="+mn-ea"/>
+        <a:cs typeface="+mn-cs"/>
+      </a:defRPr>
+    </a:lvl9pPr>
+  </p:notesStyle>
+</p:notesMaster>
+</file>
+
+<file path=ppt/notesSlides/notesSlide1.xml><?xml version="1.0" encoding="utf-8"?>
+<p:notes xmlns:a="http://schemas.openxmlformats.org/drawingml/2006/main" xmlns:r="http://schemas.openxmlformats.org/officeDocument/2006/relationships" xmlns:p="http://schemas.openxmlformats.org/presentationml/2006/main">
+  <p:cSld>
+    <p:spTree>
+      <p:nvGrpSpPr>
+        <p:cNvPr id="1" name=""/>
+        <p:cNvGrpSpPr/>
+        <p:nvPr/>
+      </p:nvGrpSpPr>
+      <p:grpSpPr>
+        <a:xfrm>
+          <a:off x="0" y="0"/>
+          <a:ext cx="0" cy="0"/>
+          <a:chOff x="0" y="0"/>
+          <a:chExt cx="0" cy="0"/>
+        </a:xfrm>
+      </p:grpSpPr>
+      <p:sp>
+        <p:nvSpPr>
+          <p:cNvPr id="2" name="Espace réservé de l'image des diapositives 1"/>
+          <p:cNvSpPr>
+            <a:spLocks noGrp="1" noRot="1" noChangeAspect="1"/>
+          </p:cNvSpPr>
+          <p:nvPr>
+            <p:ph type="sldImg"/>
+          </p:nvPr>
+        </p:nvSpPr>
+        <p:spPr/>
+      </p:sp>
+      <p:sp>
+        <p:nvSpPr>
+          <p:cNvPr id="3" name="Espace réservé des notes 2"/>
+          <p:cNvSpPr>
+            <a:spLocks noGrp="1"/>
+          </p:cNvSpPr>
+          <p:nvPr>
+            <p:ph type="body" idx="1"/>
+          </p:nvPr>
+        </p:nvSpPr>
+        <p:spPr/>
+        <p:txBody>
+          <a:bodyPr/>
+          <a:lstStyle/>
+          <a:p>
+            <a:endParaRPr lang="fr-BE"/>
+          </a:p>
+        </p:txBody>
+      </p:sp>
+      <p:sp>
+        <p:nvSpPr>
+          <p:cNvPr id="4" name="Espace réservé du numéro de diapositive 3"/>
+          <p:cNvSpPr>
+            <a:spLocks noGrp="1"/>
+          </p:cNvSpPr>
+          <p:nvPr>
+            <p:ph type="sldNum" sz="quarter" idx="5"/>
+          </p:nvPr>
+        </p:nvSpPr>
+        <p:spPr/>
+        <p:txBody>
+          <a:bodyPr/>
+          <a:lstStyle/>
+          <a:p>
+            <a:fld id="{8443086A-68B9-43CF-A366-C0FD75F6BBD1}" type="slidenum">
+              <a:rPr lang="fr-BE" smtClean="0"/>
+              <a:t>6</a:t>
+            </a:fld>
+            <a:endParaRPr lang="fr-BE"/>
+          </a:p>
+        </p:txBody>
+      </p:sp>
+    </p:spTree>
+    <p:extLst>
+      <p:ext uri="{BB962C8B-B14F-4D97-AF65-F5344CB8AC3E}">
+        <p14:creationId xmlns:p14="http://schemas.microsoft.com/office/powerpoint/2010/main" val="1686691708"/>
+      </p:ext>
+    </p:extLst>
+  </p:cSld>
+  <p:clrMapOvr>
+    <a:masterClrMapping/>
+  </p:clrMapOvr>
+</p:notes>
 </file>
 
 <file path=ppt/slideLayouts/slideLayout1.xml><?xml version="1.0" encoding="utf-8"?>
@@ -152,7 +596,7 @@
           </a:lstStyle>
           <a:p>
             <a:r>
-              <a:rPr lang="fr-FR" smtClean="0"/>
+              <a:rPr lang="fr-FR"/>
               <a:t>Modifiez le style du titre</a:t>
             </a:r>
             <a:endParaRPr lang="fr-BE"/>
@@ -217,7 +661,7 @@
           </a:lstStyle>
           <a:p>
             <a:r>
-              <a:rPr lang="fr-FR" smtClean="0"/>
+              <a:rPr lang="fr-FR"/>
               <a:t>Modifier le style des sous-titres du masque</a:t>
             </a:r>
             <a:endParaRPr lang="fr-BE"/>
@@ -241,7 +685,7 @@
           <a:p>
             <a:fld id="{FB8AC737-C491-4C9C-AAF9-448F8E29A02A}" type="datetimeFigureOut">
               <a:rPr lang="fr-BE" smtClean="0"/>
-              <a:t>16-06-21</a:t>
+              <a:t>24-06-21</a:t>
             </a:fld>
             <a:endParaRPr lang="fr-BE"/>
           </a:p>
@@ -335,7 +779,7 @@
           <a:lstStyle/>
           <a:p>
             <a:r>
-              <a:rPr lang="fr-FR" smtClean="0"/>
+              <a:rPr lang="fr-FR"/>
               <a:t>Modifiez le style du titre</a:t>
             </a:r>
             <a:endParaRPr lang="fr-BE"/>
@@ -359,35 +803,35 @@
           <a:p>
             <a:pPr lvl="0"/>
             <a:r>
-              <a:rPr lang="fr-FR" smtClean="0"/>
+              <a:rPr lang="fr-FR"/>
               <a:t>Modifier les styles du texte du masque</a:t>
             </a:r>
           </a:p>
           <a:p>
             <a:pPr lvl="1"/>
             <a:r>
-              <a:rPr lang="fr-FR" smtClean="0"/>
+              <a:rPr lang="fr-FR"/>
               <a:t>Deuxième niveau</a:t>
             </a:r>
           </a:p>
           <a:p>
             <a:pPr lvl="2"/>
             <a:r>
-              <a:rPr lang="fr-FR" smtClean="0"/>
+              <a:rPr lang="fr-FR"/>
               <a:t>Troisième niveau</a:t>
             </a:r>
           </a:p>
           <a:p>
             <a:pPr lvl="3"/>
             <a:r>
-              <a:rPr lang="fr-FR" smtClean="0"/>
+              <a:rPr lang="fr-FR"/>
               <a:t>Quatrième niveau</a:t>
             </a:r>
           </a:p>
           <a:p>
             <a:pPr lvl="4"/>
             <a:r>
-              <a:rPr lang="fr-FR" smtClean="0"/>
+              <a:rPr lang="fr-FR"/>
               <a:t>Cinquième niveau</a:t>
             </a:r>
             <a:endParaRPr lang="fr-BE"/>
@@ -411,7 +855,7 @@
           <a:p>
             <a:fld id="{FB8AC737-C491-4C9C-AAF9-448F8E29A02A}" type="datetimeFigureOut">
               <a:rPr lang="fr-BE" smtClean="0"/>
-              <a:t>16-06-21</a:t>
+              <a:t>24-06-21</a:t>
             </a:fld>
             <a:endParaRPr lang="fr-BE"/>
           </a:p>
@@ -510,7 +954,7 @@
           <a:lstStyle/>
           <a:p>
             <a:r>
-              <a:rPr lang="fr-FR" smtClean="0"/>
+              <a:rPr lang="fr-FR"/>
               <a:t>Modifiez le style du titre</a:t>
             </a:r>
             <a:endParaRPr lang="fr-BE"/>
@@ -539,35 +983,35 @@
           <a:p>
             <a:pPr lvl="0"/>
             <a:r>
-              <a:rPr lang="fr-FR" smtClean="0"/>
+              <a:rPr lang="fr-FR"/>
               <a:t>Modifier les styles du texte du masque</a:t>
             </a:r>
           </a:p>
           <a:p>
             <a:pPr lvl="1"/>
             <a:r>
-              <a:rPr lang="fr-FR" smtClean="0"/>
+              <a:rPr lang="fr-FR"/>
               <a:t>Deuxième niveau</a:t>
             </a:r>
           </a:p>
           <a:p>
             <a:pPr lvl="2"/>
             <a:r>
-              <a:rPr lang="fr-FR" smtClean="0"/>
+              <a:rPr lang="fr-FR"/>
               <a:t>Troisième niveau</a:t>
             </a:r>
           </a:p>
           <a:p>
             <a:pPr lvl="3"/>
             <a:r>
-              <a:rPr lang="fr-FR" smtClean="0"/>
+              <a:rPr lang="fr-FR"/>
               <a:t>Quatrième niveau</a:t>
             </a:r>
           </a:p>
           <a:p>
             <a:pPr lvl="4"/>
             <a:r>
-              <a:rPr lang="fr-FR" smtClean="0"/>
+              <a:rPr lang="fr-FR"/>
               <a:t>Cinquième niveau</a:t>
             </a:r>
             <a:endParaRPr lang="fr-BE"/>
@@ -591,7 +1035,7 @@
           <a:p>
             <a:fld id="{FB8AC737-C491-4C9C-AAF9-448F8E29A02A}" type="datetimeFigureOut">
               <a:rPr lang="fr-BE" smtClean="0"/>
-              <a:t>16-06-21</a:t>
+              <a:t>24-06-21</a:t>
             </a:fld>
             <a:endParaRPr lang="fr-BE"/>
           </a:p>
@@ -685,7 +1129,7 @@
           <a:lstStyle/>
           <a:p>
             <a:r>
-              <a:rPr lang="fr-FR" smtClean="0"/>
+              <a:rPr lang="fr-FR"/>
               <a:t>Modifiez le style du titre</a:t>
             </a:r>
             <a:endParaRPr lang="fr-BE"/>
@@ -709,35 +1153,35 @@
           <a:p>
             <a:pPr lvl="0"/>
             <a:r>
-              <a:rPr lang="fr-FR" smtClean="0"/>
+              <a:rPr lang="fr-FR"/>
               <a:t>Modifier les styles du texte du masque</a:t>
             </a:r>
           </a:p>
           <a:p>
             <a:pPr lvl="1"/>
             <a:r>
-              <a:rPr lang="fr-FR" smtClean="0"/>
+              <a:rPr lang="fr-FR"/>
               <a:t>Deuxième niveau</a:t>
             </a:r>
           </a:p>
           <a:p>
             <a:pPr lvl="2"/>
             <a:r>
-              <a:rPr lang="fr-FR" smtClean="0"/>
+              <a:rPr lang="fr-FR"/>
               <a:t>Troisième niveau</a:t>
             </a:r>
           </a:p>
           <a:p>
             <a:pPr lvl="3"/>
             <a:r>
-              <a:rPr lang="fr-FR" smtClean="0"/>
+              <a:rPr lang="fr-FR"/>
               <a:t>Quatrième niveau</a:t>
             </a:r>
           </a:p>
           <a:p>
             <a:pPr lvl="4"/>
             <a:r>
-              <a:rPr lang="fr-FR" smtClean="0"/>
+              <a:rPr lang="fr-FR"/>
               <a:t>Cinquième niveau</a:t>
             </a:r>
             <a:endParaRPr lang="fr-BE"/>
@@ -761,7 +1205,7 @@
           <a:p>
             <a:fld id="{FB8AC737-C491-4C9C-AAF9-448F8E29A02A}" type="datetimeFigureOut">
               <a:rPr lang="fr-BE" smtClean="0"/>
-              <a:t>16-06-21</a:t>
+              <a:t>24-06-21</a:t>
             </a:fld>
             <a:endParaRPr lang="fr-BE"/>
           </a:p>
@@ -864,7 +1308,7 @@
           </a:lstStyle>
           <a:p>
             <a:r>
-              <a:rPr lang="fr-FR" smtClean="0"/>
+              <a:rPr lang="fr-FR"/>
               <a:t>Modifiez le style du titre</a:t>
             </a:r>
             <a:endParaRPr lang="fr-BE"/>
@@ -984,7 +1428,7 @@
           <a:p>
             <a:pPr lvl="0"/>
             <a:r>
-              <a:rPr lang="fr-FR" smtClean="0"/>
+              <a:rPr lang="fr-FR"/>
               <a:t>Modifier les styles du texte du masque</a:t>
             </a:r>
           </a:p>
@@ -1007,7 +1451,7 @@
           <a:p>
             <a:fld id="{FB8AC737-C491-4C9C-AAF9-448F8E29A02A}" type="datetimeFigureOut">
               <a:rPr lang="fr-BE" smtClean="0"/>
-              <a:t>16-06-21</a:t>
+              <a:t>24-06-21</a:t>
             </a:fld>
             <a:endParaRPr lang="fr-BE"/>
           </a:p>
@@ -1101,7 +1545,7 @@
           <a:lstStyle/>
           <a:p>
             <a:r>
-              <a:rPr lang="fr-FR" smtClean="0"/>
+              <a:rPr lang="fr-FR"/>
               <a:t>Modifiez le style du titre</a:t>
             </a:r>
             <a:endParaRPr lang="fr-BE"/>
@@ -1130,35 +1574,35 @@
           <a:p>
             <a:pPr lvl="0"/>
             <a:r>
-              <a:rPr lang="fr-FR" smtClean="0"/>
+              <a:rPr lang="fr-FR"/>
               <a:t>Modifier les styles du texte du masque</a:t>
             </a:r>
           </a:p>
           <a:p>
             <a:pPr lvl="1"/>
             <a:r>
-              <a:rPr lang="fr-FR" smtClean="0"/>
+              <a:rPr lang="fr-FR"/>
               <a:t>Deuxième niveau</a:t>
             </a:r>
           </a:p>
           <a:p>
             <a:pPr lvl="2"/>
             <a:r>
-              <a:rPr lang="fr-FR" smtClean="0"/>
+              <a:rPr lang="fr-FR"/>
               <a:t>Troisième niveau</a:t>
             </a:r>
           </a:p>
           <a:p>
             <a:pPr lvl="3"/>
             <a:r>
-              <a:rPr lang="fr-FR" smtClean="0"/>
+              <a:rPr lang="fr-FR"/>
               <a:t>Quatrième niveau</a:t>
             </a:r>
           </a:p>
           <a:p>
             <a:pPr lvl="4"/>
             <a:r>
-              <a:rPr lang="fr-FR" smtClean="0"/>
+              <a:rPr lang="fr-FR"/>
               <a:t>Cinquième niveau</a:t>
             </a:r>
             <a:endParaRPr lang="fr-BE"/>
@@ -1187,35 +1631,35 @@
           <a:p>
             <a:pPr lvl="0"/>
             <a:r>
-              <a:rPr lang="fr-FR" smtClean="0"/>
+              <a:rPr lang="fr-FR"/>
               <a:t>Modifier les styles du texte du masque</a:t>
             </a:r>
           </a:p>
           <a:p>
             <a:pPr lvl="1"/>
             <a:r>
-              <a:rPr lang="fr-FR" smtClean="0"/>
+              <a:rPr lang="fr-FR"/>
               <a:t>Deuxième niveau</a:t>
             </a:r>
           </a:p>
           <a:p>
             <a:pPr lvl="2"/>
             <a:r>
-              <a:rPr lang="fr-FR" smtClean="0"/>
+              <a:rPr lang="fr-FR"/>
               <a:t>Troisième niveau</a:t>
             </a:r>
           </a:p>
           <a:p>
             <a:pPr lvl="3"/>
             <a:r>
-              <a:rPr lang="fr-FR" smtClean="0"/>
+              <a:rPr lang="fr-FR"/>
               <a:t>Quatrième niveau</a:t>
             </a:r>
           </a:p>
           <a:p>
             <a:pPr lvl="4"/>
             <a:r>
-              <a:rPr lang="fr-FR" smtClean="0"/>
+              <a:rPr lang="fr-FR"/>
               <a:t>Cinquième niveau</a:t>
             </a:r>
             <a:endParaRPr lang="fr-BE"/>
@@ -1239,7 +1683,7 @@
           <a:p>
             <a:fld id="{FB8AC737-C491-4C9C-AAF9-448F8E29A02A}" type="datetimeFigureOut">
               <a:rPr lang="fr-BE" smtClean="0"/>
-              <a:t>16-06-21</a:t>
+              <a:t>24-06-21</a:t>
             </a:fld>
             <a:endParaRPr lang="fr-BE"/>
           </a:p>
@@ -1338,7 +1782,7 @@
           <a:lstStyle/>
           <a:p>
             <a:r>
-              <a:rPr lang="fr-FR" smtClean="0"/>
+              <a:rPr lang="fr-FR"/>
               <a:t>Modifiez le style du titre</a:t>
             </a:r>
             <a:endParaRPr lang="fr-BE"/>
@@ -1404,7 +1848,7 @@
           <a:p>
             <a:pPr lvl="0"/>
             <a:r>
-              <a:rPr lang="fr-FR" smtClean="0"/>
+              <a:rPr lang="fr-FR"/>
               <a:t>Modifier les styles du texte du masque</a:t>
             </a:r>
           </a:p>
@@ -1432,35 +1876,35 @@
           <a:p>
             <a:pPr lvl="0"/>
             <a:r>
-              <a:rPr lang="fr-FR" smtClean="0"/>
+              <a:rPr lang="fr-FR"/>
               <a:t>Modifier les styles du texte du masque</a:t>
             </a:r>
           </a:p>
           <a:p>
             <a:pPr lvl="1"/>
             <a:r>
-              <a:rPr lang="fr-FR" smtClean="0"/>
+              <a:rPr lang="fr-FR"/>
               <a:t>Deuxième niveau</a:t>
             </a:r>
           </a:p>
           <a:p>
             <a:pPr lvl="2"/>
             <a:r>
-              <a:rPr lang="fr-FR" smtClean="0"/>
+              <a:rPr lang="fr-FR"/>
               <a:t>Troisième niveau</a:t>
             </a:r>
           </a:p>
           <a:p>
             <a:pPr lvl="3"/>
             <a:r>
-              <a:rPr lang="fr-FR" smtClean="0"/>
+              <a:rPr lang="fr-FR"/>
               <a:t>Quatrième niveau</a:t>
             </a:r>
           </a:p>
           <a:p>
             <a:pPr lvl="4"/>
             <a:r>
-              <a:rPr lang="fr-FR" smtClean="0"/>
+              <a:rPr lang="fr-FR"/>
               <a:t>Cinquième niveau</a:t>
             </a:r>
             <a:endParaRPr lang="fr-BE"/>
@@ -1526,7 +1970,7 @@
           <a:p>
             <a:pPr lvl="0"/>
             <a:r>
-              <a:rPr lang="fr-FR" smtClean="0"/>
+              <a:rPr lang="fr-FR"/>
               <a:t>Modifier les styles du texte du masque</a:t>
             </a:r>
           </a:p>
@@ -1554,35 +1998,35 @@
           <a:p>
             <a:pPr lvl="0"/>
             <a:r>
-              <a:rPr lang="fr-FR" smtClean="0"/>
+              <a:rPr lang="fr-FR"/>
               <a:t>Modifier les styles du texte du masque</a:t>
             </a:r>
           </a:p>
           <a:p>
             <a:pPr lvl="1"/>
             <a:r>
-              <a:rPr lang="fr-FR" smtClean="0"/>
+              <a:rPr lang="fr-FR"/>
               <a:t>Deuxième niveau</a:t>
             </a:r>
           </a:p>
           <a:p>
             <a:pPr lvl="2"/>
             <a:r>
-              <a:rPr lang="fr-FR" smtClean="0"/>
+              <a:rPr lang="fr-FR"/>
               <a:t>Troisième niveau</a:t>
             </a:r>
           </a:p>
           <a:p>
             <a:pPr lvl="3"/>
             <a:r>
-              <a:rPr lang="fr-FR" smtClean="0"/>
+              <a:rPr lang="fr-FR"/>
               <a:t>Quatrième niveau</a:t>
             </a:r>
           </a:p>
           <a:p>
             <a:pPr lvl="4"/>
             <a:r>
-              <a:rPr lang="fr-FR" smtClean="0"/>
+              <a:rPr lang="fr-FR"/>
               <a:t>Cinquième niveau</a:t>
             </a:r>
             <a:endParaRPr lang="fr-BE"/>
@@ -1606,7 +2050,7 @@
           <a:p>
             <a:fld id="{FB8AC737-C491-4C9C-AAF9-448F8E29A02A}" type="datetimeFigureOut">
               <a:rPr lang="fr-BE" smtClean="0"/>
-              <a:t>16-06-21</a:t>
+              <a:t>24-06-21</a:t>
             </a:fld>
             <a:endParaRPr lang="fr-BE"/>
           </a:p>
@@ -1700,7 +2144,7 @@
           <a:lstStyle/>
           <a:p>
             <a:r>
-              <a:rPr lang="fr-FR" smtClean="0"/>
+              <a:rPr lang="fr-FR"/>
               <a:t>Modifiez le style du titre</a:t>
             </a:r>
             <a:endParaRPr lang="fr-BE"/>
@@ -1724,7 +2168,7 @@
           <a:p>
             <a:fld id="{FB8AC737-C491-4C9C-AAF9-448F8E29A02A}" type="datetimeFigureOut">
               <a:rPr lang="fr-BE" smtClean="0"/>
-              <a:t>16-06-21</a:t>
+              <a:t>24-06-21</a:t>
             </a:fld>
             <a:endParaRPr lang="fr-BE"/>
           </a:p>
@@ -1819,7 +2263,7 @@
           <a:p>
             <a:fld id="{FB8AC737-C491-4C9C-AAF9-448F8E29A02A}" type="datetimeFigureOut">
               <a:rPr lang="fr-BE" smtClean="0"/>
-              <a:t>16-06-21</a:t>
+              <a:t>24-06-21</a:t>
             </a:fld>
             <a:endParaRPr lang="fr-BE"/>
           </a:p>
@@ -1922,7 +2366,7 @@
           </a:lstStyle>
           <a:p>
             <a:r>
-              <a:rPr lang="fr-FR" smtClean="0"/>
+              <a:rPr lang="fr-FR"/>
               <a:t>Modifiez le style du titre</a:t>
             </a:r>
             <a:endParaRPr lang="fr-BE"/>
@@ -1979,35 +2423,35 @@
           <a:p>
             <a:pPr lvl="0"/>
             <a:r>
-              <a:rPr lang="fr-FR" smtClean="0"/>
+              <a:rPr lang="fr-FR"/>
               <a:t>Modifier les styles du texte du masque</a:t>
             </a:r>
           </a:p>
           <a:p>
             <a:pPr lvl="1"/>
             <a:r>
-              <a:rPr lang="fr-FR" smtClean="0"/>
+              <a:rPr lang="fr-FR"/>
               <a:t>Deuxième niveau</a:t>
             </a:r>
           </a:p>
           <a:p>
             <a:pPr lvl="2"/>
             <a:r>
-              <a:rPr lang="fr-FR" smtClean="0"/>
+              <a:rPr lang="fr-FR"/>
               <a:t>Troisième niveau</a:t>
             </a:r>
           </a:p>
           <a:p>
             <a:pPr lvl="3"/>
             <a:r>
-              <a:rPr lang="fr-FR" smtClean="0"/>
+              <a:rPr lang="fr-FR"/>
               <a:t>Quatrième niveau</a:t>
             </a:r>
           </a:p>
           <a:p>
             <a:pPr lvl="4"/>
             <a:r>
-              <a:rPr lang="fr-FR" smtClean="0"/>
+              <a:rPr lang="fr-FR"/>
               <a:t>Cinquième niveau</a:t>
             </a:r>
             <a:endParaRPr lang="fr-BE"/>
@@ -2073,7 +2517,7 @@
           <a:p>
             <a:pPr lvl="0"/>
             <a:r>
-              <a:rPr lang="fr-FR" smtClean="0"/>
+              <a:rPr lang="fr-FR"/>
               <a:t>Modifier les styles du texte du masque</a:t>
             </a:r>
           </a:p>
@@ -2096,7 +2540,7 @@
           <a:p>
             <a:fld id="{FB8AC737-C491-4C9C-AAF9-448F8E29A02A}" type="datetimeFigureOut">
               <a:rPr lang="fr-BE" smtClean="0"/>
-              <a:t>16-06-21</a:t>
+              <a:t>24-06-21</a:t>
             </a:fld>
             <a:endParaRPr lang="fr-BE"/>
           </a:p>
@@ -2199,7 +2643,7 @@
           </a:lstStyle>
           <a:p>
             <a:r>
-              <a:rPr lang="fr-FR" smtClean="0"/>
+              <a:rPr lang="fr-FR"/>
               <a:t>Modifiez le style du titre</a:t>
             </a:r>
             <a:endParaRPr lang="fr-BE"/>
@@ -2326,7 +2770,7 @@
           <a:p>
             <a:pPr lvl="0"/>
             <a:r>
-              <a:rPr lang="fr-FR" smtClean="0"/>
+              <a:rPr lang="fr-FR"/>
               <a:t>Modifier les styles du texte du masque</a:t>
             </a:r>
           </a:p>
@@ -2349,7 +2793,7 @@
           <a:p>
             <a:fld id="{FB8AC737-C491-4C9C-AAF9-448F8E29A02A}" type="datetimeFigureOut">
               <a:rPr lang="fr-BE" smtClean="0"/>
-              <a:t>16-06-21</a:t>
+              <a:t>24-06-21</a:t>
             </a:fld>
             <a:endParaRPr lang="fr-BE"/>
           </a:p>
@@ -2458,7 +2902,7 @@
           <a:lstStyle/>
           <a:p>
             <a:r>
-              <a:rPr lang="fr-FR" smtClean="0"/>
+              <a:rPr lang="fr-FR"/>
               <a:t>Modifiez le style du titre</a:t>
             </a:r>
             <a:endParaRPr lang="fr-BE"/>
@@ -2492,35 +2936,35 @@
           <a:p>
             <a:pPr lvl="0"/>
             <a:r>
-              <a:rPr lang="fr-FR" smtClean="0"/>
+              <a:rPr lang="fr-FR"/>
               <a:t>Modifier les styles du texte du masque</a:t>
             </a:r>
           </a:p>
           <a:p>
             <a:pPr lvl="1"/>
             <a:r>
-              <a:rPr lang="fr-FR" smtClean="0"/>
+              <a:rPr lang="fr-FR"/>
               <a:t>Deuxième niveau</a:t>
             </a:r>
           </a:p>
           <a:p>
             <a:pPr lvl="2"/>
             <a:r>
-              <a:rPr lang="fr-FR" smtClean="0"/>
+              <a:rPr lang="fr-FR"/>
               <a:t>Troisième niveau</a:t>
             </a:r>
           </a:p>
           <a:p>
             <a:pPr lvl="3"/>
             <a:r>
-              <a:rPr lang="fr-FR" smtClean="0"/>
+              <a:rPr lang="fr-FR"/>
               <a:t>Quatrième niveau</a:t>
             </a:r>
           </a:p>
           <a:p>
             <a:pPr lvl="4"/>
             <a:r>
-              <a:rPr lang="fr-FR" smtClean="0"/>
+              <a:rPr lang="fr-FR"/>
               <a:t>Cinquième niveau</a:t>
             </a:r>
             <a:endParaRPr lang="fr-BE"/>
@@ -2562,7 +3006,7 @@
           <a:p>
             <a:fld id="{FB8AC737-C491-4C9C-AAF9-448F8E29A02A}" type="datetimeFigureOut">
               <a:rPr lang="fr-BE" smtClean="0"/>
-              <a:t>16-06-21</a:t>
+              <a:t>24-06-21</a:t>
             </a:fld>
             <a:endParaRPr lang="fr-BE"/>
           </a:p>
@@ -3077,6 +3521,102 @@
       </p:grpSpPr>
       <p:sp>
         <p:nvSpPr>
+          <p:cNvPr id="2" name="Titre 1">
+            <a:extLst>
+              <a:ext uri="{FF2B5EF4-FFF2-40B4-BE49-F238E27FC236}">
+                <a16:creationId xmlns:a16="http://schemas.microsoft.com/office/drawing/2014/main" id="{B1BBEE34-A18C-4E2C-BD6A-8D72A0EF1124}"/>
+              </a:ext>
+            </a:extLst>
+          </p:cNvPr>
+          <p:cNvSpPr>
+            <a:spLocks noGrp="1"/>
+          </p:cNvSpPr>
+          <p:nvPr>
+            <p:ph type="title"/>
+          </p:nvPr>
+        </p:nvSpPr>
+        <p:spPr/>
+        <p:txBody>
+          <a:bodyPr/>
+          <a:lstStyle/>
+          <a:p>
+            <a:r>
+              <a:rPr lang="fr-FR" dirty="0"/>
+              <a:t>C</a:t>
+            </a:r>
+            <a:r>
+              <a:rPr lang="en-US" dirty="0" err="1"/>
+              <a:t>omparisons</a:t>
+            </a:r>
+            <a:r>
+              <a:rPr lang="en-US" dirty="0"/>
+              <a:t> of the first two slides</a:t>
+            </a:r>
+            <a:endParaRPr lang="fr-BE" dirty="0"/>
+          </a:p>
+        </p:txBody>
+      </p:sp>
+      <p:sp>
+        <p:nvSpPr>
+          <p:cNvPr id="3" name="Espace réservé du contenu 2">
+            <a:extLst>
+              <a:ext uri="{FF2B5EF4-FFF2-40B4-BE49-F238E27FC236}">
+                <a16:creationId xmlns:a16="http://schemas.microsoft.com/office/drawing/2014/main" id="{2084A00F-BF5A-4ED4-B51D-BD98A079C94D}"/>
+              </a:ext>
+            </a:extLst>
+          </p:cNvPr>
+          <p:cNvSpPr>
+            <a:spLocks noGrp="1"/>
+          </p:cNvSpPr>
+          <p:nvPr>
+            <p:ph idx="1"/>
+          </p:nvPr>
+        </p:nvSpPr>
+        <p:spPr/>
+        <p:txBody>
+          <a:bodyPr/>
+          <a:lstStyle/>
+          <a:p>
+            <a:r>
+              <a:rPr lang="en-US" dirty="0"/>
+              <a:t>Looking at the first two slides, we can observe that we get the same sequence between the simulation and the signal analysis.</a:t>
+            </a:r>
+            <a:endParaRPr lang="fr-BE" dirty="0"/>
+          </a:p>
+        </p:txBody>
+      </p:sp>
+    </p:spTree>
+    <p:extLst>
+      <p:ext uri="{BB962C8B-B14F-4D97-AF65-F5344CB8AC3E}">
+        <p14:creationId xmlns:p14="http://schemas.microsoft.com/office/powerpoint/2010/main" val="627575963"/>
+      </p:ext>
+    </p:extLst>
+  </p:cSld>
+  <p:clrMapOvr>
+    <a:masterClrMapping/>
+  </p:clrMapOvr>
+</p:sld>
+</file>
+
+<file path=ppt/slides/slide4.xml><?xml version="1.0" encoding="utf-8"?>
+<p:sld xmlns:a="http://schemas.openxmlformats.org/drawingml/2006/main" xmlns:r="http://schemas.openxmlformats.org/officeDocument/2006/relationships" xmlns:p="http://schemas.openxmlformats.org/presentationml/2006/main">
+  <p:cSld>
+    <p:spTree>
+      <p:nvGrpSpPr>
+        <p:cNvPr id="1" name=""/>
+        <p:cNvGrpSpPr/>
+        <p:nvPr/>
+      </p:nvGrpSpPr>
+      <p:grpSpPr>
+        <a:xfrm>
+          <a:off x="0" y="0"/>
+          <a:ext cx="0" cy="0"/>
+          <a:chOff x="0" y="0"/>
+          <a:chExt cx="0" cy="0"/>
+        </a:xfrm>
+      </p:grpSpPr>
+      <p:sp>
+        <p:nvSpPr>
           <p:cNvPr id="2" name="Titre 1"/>
           <p:cNvSpPr>
             <a:spLocks noGrp="1"/>
@@ -3150,7 +3690,7 @@
 </p:sld>
 </file>
 
-<file path=ppt/slides/slide4.xml><?xml version="1.0" encoding="utf-8"?>
+<file path=ppt/slides/slide5.xml><?xml version="1.0" encoding="utf-8"?>
 <p:sld xmlns:a="http://schemas.openxmlformats.org/drawingml/2006/main" xmlns:r="http://schemas.openxmlformats.org/officeDocument/2006/relationships" xmlns:p="http://schemas.openxmlformats.org/presentationml/2006/main">
   <p:cSld>
     <p:spTree>
@@ -3216,6 +3756,94 @@
     <p:extLst>
       <p:ext uri="{BB962C8B-B14F-4D97-AF65-F5344CB8AC3E}">
         <p14:creationId xmlns:p14="http://schemas.microsoft.com/office/powerpoint/2010/main" val="445824244"/>
+      </p:ext>
+    </p:extLst>
+  </p:cSld>
+  <p:clrMapOvr>
+    <a:masterClrMapping/>
+  </p:clrMapOvr>
+</p:sld>
+</file>
+
+<file path=ppt/slides/slide6.xml><?xml version="1.0" encoding="utf-8"?>
+<p:sld xmlns:a="http://schemas.openxmlformats.org/drawingml/2006/main" xmlns:r="http://schemas.openxmlformats.org/officeDocument/2006/relationships" xmlns:p="http://schemas.openxmlformats.org/presentationml/2006/main">
+  <p:cSld>
+    <p:spTree>
+      <p:nvGrpSpPr>
+        <p:cNvPr id="1" name=""/>
+        <p:cNvGrpSpPr/>
+        <p:nvPr/>
+      </p:nvGrpSpPr>
+      <p:grpSpPr>
+        <a:xfrm>
+          <a:off x="0" y="0"/>
+          <a:ext cx="0" cy="0"/>
+          <a:chOff x="0" y="0"/>
+          <a:chExt cx="0" cy="0"/>
+        </a:xfrm>
+      </p:grpSpPr>
+      <p:sp>
+        <p:nvSpPr>
+          <p:cNvPr id="2" name="Titre 1">
+            <a:extLst>
+              <a:ext uri="{FF2B5EF4-FFF2-40B4-BE49-F238E27FC236}">
+                <a16:creationId xmlns:a16="http://schemas.microsoft.com/office/drawing/2014/main" id="{FDC92C56-D88C-4CB4-A008-87676736D0C9}"/>
+              </a:ext>
+            </a:extLst>
+          </p:cNvPr>
+          <p:cNvSpPr>
+            <a:spLocks noGrp="1"/>
+          </p:cNvSpPr>
+          <p:nvPr>
+            <p:ph type="title"/>
+          </p:nvPr>
+        </p:nvSpPr>
+        <p:spPr/>
+        <p:txBody>
+          <a:bodyPr/>
+          <a:lstStyle/>
+          <a:p>
+            <a:r>
+              <a:rPr lang="en-US" dirty="0"/>
+              <a:t>Observation of the last two slides</a:t>
+            </a:r>
+            <a:endParaRPr lang="fr-BE" dirty="0"/>
+          </a:p>
+        </p:txBody>
+      </p:sp>
+      <p:sp>
+        <p:nvSpPr>
+          <p:cNvPr id="3" name="Espace réservé du contenu 2">
+            <a:extLst>
+              <a:ext uri="{FF2B5EF4-FFF2-40B4-BE49-F238E27FC236}">
+                <a16:creationId xmlns:a16="http://schemas.microsoft.com/office/drawing/2014/main" id="{584CF8B7-BCB6-4074-BC18-1A8E25BAD579}"/>
+              </a:ext>
+            </a:extLst>
+          </p:cNvPr>
+          <p:cNvSpPr>
+            <a:spLocks noGrp="1"/>
+          </p:cNvSpPr>
+          <p:nvPr>
+            <p:ph idx="1"/>
+          </p:nvPr>
+        </p:nvSpPr>
+        <p:spPr/>
+        <p:txBody>
+          <a:bodyPr/>
+          <a:lstStyle/>
+          <a:p>
+            <a:r>
+              <a:rPr lang="en-US" dirty="0"/>
+              <a:t>Looking at the last two slides, we can see that we are reading FF because the sensor is not connected (and 00 when it is connected because we have not set a read delay). We can also see the writing and reading props E0 and E1. Finally, we can see that we are interacting with register 02. </a:t>
+            </a:r>
+            <a:endParaRPr lang="fr-BE" dirty="0"/>
+          </a:p>
+        </p:txBody>
+      </p:sp>
+    </p:spTree>
+    <p:extLst>
+      <p:ext uri="{BB962C8B-B14F-4D97-AF65-F5344CB8AC3E}">
+        <p14:creationId xmlns:p14="http://schemas.microsoft.com/office/powerpoint/2010/main" val="2430905507"/>
       </p:ext>
     </p:extLst>
   </p:cSld>
@@ -3484,4 +4112,299 @@
     </a:ext>
   </a:extLst>
 </a:theme>
+</file>
+
+<file path=ppt/theme/theme2.xml><?xml version="1.0" encoding="utf-8"?>
+<a:theme xmlns:a="http://schemas.openxmlformats.org/drawingml/2006/main" name="Thème Office">
+  <a:themeElements>
+    <a:clrScheme name="Office">
+      <a:dk1>
+        <a:sysClr val="windowText" lastClr="000000"/>
+      </a:dk1>
+      <a:lt1>
+        <a:sysClr val="window" lastClr="FFFFFF"/>
+      </a:lt1>
+      <a:dk2>
+        <a:srgbClr val="44546A"/>
+      </a:dk2>
+      <a:lt2>
+        <a:srgbClr val="E7E6E6"/>
+      </a:lt2>
+      <a:accent1>
+        <a:srgbClr val="4472C4"/>
+      </a:accent1>
+      <a:accent2>
+        <a:srgbClr val="ED7D31"/>
+      </a:accent2>
+      <a:accent3>
+        <a:srgbClr val="A5A5A5"/>
+      </a:accent3>
+      <a:accent4>
+        <a:srgbClr val="FFC000"/>
+      </a:accent4>
+      <a:accent5>
+        <a:srgbClr val="5B9BD5"/>
+      </a:accent5>
+      <a:accent6>
+        <a:srgbClr val="70AD47"/>
+      </a:accent6>
+      <a:hlink>
+        <a:srgbClr val="0563C1"/>
+      </a:hlink>
+      <a:folHlink>
+        <a:srgbClr val="954F72"/>
+      </a:folHlink>
+    </a:clrScheme>
+    <a:fontScheme name="Office">
+      <a:majorFont>
+        <a:latin typeface="Calibri Light" panose="020F0302020204030204"/>
+        <a:ea typeface=""/>
+        <a:cs typeface=""/>
+        <a:font script="Jpan" typeface="游ゴシック Light"/>
+        <a:font script="Hang" typeface="맑은 고딕"/>
+        <a:font script="Hans" typeface="等线 Light"/>
+        <a:font script="Hant" typeface="新細明體"/>
+        <a:font script="Arab" typeface="Times New Roman"/>
+        <a:font script="Hebr" typeface="Times New Roman"/>
+        <a:font script="Thai" typeface="Angsana New"/>
+        <a:font script="Ethi" typeface="Nyala"/>
+        <a:font script="Beng" typeface="Vrinda"/>
+        <a:font script="Gujr" typeface="Shruti"/>
+        <a:font script="Khmr" typeface="MoolBoran"/>
+        <a:font script="Knda" typeface="Tunga"/>
+        <a:font script="Guru" typeface="Raavi"/>
+        <a:font script="Cans" typeface="Euphemia"/>
+        <a:font script="Cher" typeface="Plantagenet Cherokee"/>
+        <a:font script="Yiii" typeface="Microsoft Yi Baiti"/>
+        <a:font script="Tibt" typeface="Microsoft Himalaya"/>
+        <a:font script="Thaa" typeface="MV Boli"/>
+        <a:font script="Deva" typeface="Mangal"/>
+        <a:font script="Telu" typeface="Gautami"/>
+        <a:font script="Taml" typeface="Latha"/>
+        <a:font script="Syrc" typeface="Estrangelo Edessa"/>
+        <a:font script="Orya" typeface="Kalinga"/>
+        <a:font script="Mlym" typeface="Kartika"/>
+        <a:font script="Laoo" typeface="DokChampa"/>
+        <a:font script="Sinh" typeface="Iskoola Pota"/>
+        <a:font script="Mong" typeface="Mongolian Baiti"/>
+        <a:font script="Viet" typeface="Times New Roman"/>
+        <a:font script="Uigh" typeface="Microsoft Uighur"/>
+        <a:font script="Geor" typeface="Sylfaen"/>
+        <a:font script="Armn" typeface="Arial"/>
+        <a:font script="Bugi" typeface="Leelawadee UI"/>
+        <a:font script="Bopo" typeface="Microsoft JhengHei"/>
+        <a:font script="Java" typeface="Javanese Text"/>
+        <a:font script="Lisu" typeface="Segoe UI"/>
+        <a:font script="Mymr" typeface="Myanmar Text"/>
+        <a:font script="Nkoo" typeface="Ebrima"/>
+        <a:font script="Olck" typeface="Nirmala UI"/>
+        <a:font script="Osma" typeface="Ebrima"/>
+        <a:font script="Phag" typeface="Phagspa"/>
+        <a:font script="Syrn" typeface="Estrangelo Edessa"/>
+        <a:font script="Syrj" typeface="Estrangelo Edessa"/>
+        <a:font script="Syre" typeface="Estrangelo Edessa"/>
+        <a:font script="Sora" typeface="Nirmala UI"/>
+        <a:font script="Tale" typeface="Microsoft Tai Le"/>
+        <a:font script="Talu" typeface="Microsoft New Tai Lue"/>
+        <a:font script="Tfng" typeface="Ebrima"/>
+      </a:majorFont>
+      <a:minorFont>
+        <a:latin typeface="Calibri" panose="020F0502020204030204"/>
+        <a:ea typeface=""/>
+        <a:cs typeface=""/>
+        <a:font script="Jpan" typeface="游ゴシック"/>
+        <a:font script="Hang" typeface="맑은 고딕"/>
+        <a:font script="Hans" typeface="等线"/>
+        <a:font script="Hant" typeface="新細明體"/>
+        <a:font script="Arab" typeface="Arial"/>
+        <a:font script="Hebr" typeface="Arial"/>
+        <a:font script="Thai" typeface="Cordia New"/>
+        <a:font script="Ethi" typeface="Nyala"/>
+        <a:font script="Beng" typeface="Vrinda"/>
+        <a:font script="Gujr" typeface="Shruti"/>
+        <a:font script="Khmr" typeface="DaunPenh"/>
+        <a:font script="Knda" typeface="Tunga"/>
+        <a:font script="Guru" typeface="Raavi"/>
+        <a:font script="Cans" typeface="Euphemia"/>
+        <a:font script="Cher" typeface="Plantagenet Cherokee"/>
+        <a:font script="Yiii" typeface="Microsoft Yi Baiti"/>
+        <a:font script="Tibt" typeface="Microsoft Himalaya"/>
+        <a:font script="Thaa" typeface="MV Boli"/>
+        <a:font script="Deva" typeface="Mangal"/>
+        <a:font script="Telu" typeface="Gautami"/>
+        <a:font script="Taml" typeface="Latha"/>
+        <a:font script="Syrc" typeface="Estrangelo Edessa"/>
+        <a:font script="Orya" typeface="Kalinga"/>
+        <a:font script="Mlym" typeface="Kartika"/>
+        <a:font script="Laoo" typeface="DokChampa"/>
+        <a:font script="Sinh" typeface="Iskoola Pota"/>
+        <a:font script="Mong" typeface="Mongolian Baiti"/>
+        <a:font script="Viet" typeface="Arial"/>
+        <a:font script="Uigh" typeface="Microsoft Uighur"/>
+        <a:font script="Geor" typeface="Sylfaen"/>
+        <a:font script="Armn" typeface="Arial"/>
+        <a:font script="Bugi" typeface="Leelawadee UI"/>
+        <a:font script="Bopo" typeface="Microsoft JhengHei"/>
+        <a:font script="Java" typeface="Javanese Text"/>
+        <a:font script="Lisu" typeface="Segoe UI"/>
+        <a:font script="Mymr" typeface="Myanmar Text"/>
+        <a:font script="Nkoo" typeface="Ebrima"/>
+        <a:font script="Olck" typeface="Nirmala UI"/>
+        <a:font script="Osma" typeface="Ebrima"/>
+        <a:font script="Phag" typeface="Phagspa"/>
+        <a:font script="Syrn" typeface="Estrangelo Edessa"/>
+        <a:font script="Syrj" typeface="Estrangelo Edessa"/>
+        <a:font script="Syre" typeface="Estrangelo Edessa"/>
+        <a:font script="Sora" typeface="Nirmala UI"/>
+        <a:font script="Tale" typeface="Microsoft Tai Le"/>
+        <a:font script="Talu" typeface="Microsoft New Tai Lue"/>
+        <a:font script="Tfng" typeface="Ebrima"/>
+      </a:minorFont>
+    </a:fontScheme>
+    <a:fmtScheme name="Office">
+      <a:fillStyleLst>
+        <a:solidFill>
+          <a:schemeClr val="phClr"/>
+        </a:solidFill>
+        <a:gradFill rotWithShape="1">
+          <a:gsLst>
+            <a:gs pos="0">
+              <a:schemeClr val="phClr">
+                <a:lumMod val="110000"/>
+                <a:satMod val="105000"/>
+                <a:tint val="67000"/>
+              </a:schemeClr>
+            </a:gs>
+            <a:gs pos="50000">
+              <a:schemeClr val="phClr">
+                <a:lumMod val="105000"/>
+                <a:satMod val="103000"/>
+                <a:tint val="73000"/>
+              </a:schemeClr>
+            </a:gs>
+            <a:gs pos="100000">
+              <a:schemeClr val="phClr">
+                <a:lumMod val="105000"/>
+                <a:satMod val="109000"/>
+                <a:tint val="81000"/>
+              </a:schemeClr>
+            </a:gs>
+          </a:gsLst>
+          <a:lin ang="5400000" scaled="0"/>
+        </a:gradFill>
+        <a:gradFill rotWithShape="1">
+          <a:gsLst>
+            <a:gs pos="0">
+              <a:schemeClr val="phClr">
+                <a:satMod val="103000"/>
+                <a:lumMod val="102000"/>
+                <a:tint val="94000"/>
+              </a:schemeClr>
+            </a:gs>
+            <a:gs pos="50000">
+              <a:schemeClr val="phClr">
+                <a:satMod val="110000"/>
+                <a:lumMod val="100000"/>
+                <a:shade val="100000"/>
+              </a:schemeClr>
+            </a:gs>
+            <a:gs pos="100000">
+              <a:schemeClr val="phClr">
+                <a:lumMod val="99000"/>
+                <a:satMod val="120000"/>
+                <a:shade val="78000"/>
+              </a:schemeClr>
+            </a:gs>
+          </a:gsLst>
+          <a:lin ang="5400000" scaled="0"/>
+        </a:gradFill>
+      </a:fillStyleLst>
+      <a:lnStyleLst>
+        <a:ln w="6350" cap="flat" cmpd="sng" algn="ctr">
+          <a:solidFill>
+            <a:schemeClr val="phClr"/>
+          </a:solidFill>
+          <a:prstDash val="solid"/>
+          <a:miter lim="800000"/>
+        </a:ln>
+        <a:ln w="12700" cap="flat" cmpd="sng" algn="ctr">
+          <a:solidFill>
+            <a:schemeClr val="phClr"/>
+          </a:solidFill>
+          <a:prstDash val="solid"/>
+          <a:miter lim="800000"/>
+        </a:ln>
+        <a:ln w="19050" cap="flat" cmpd="sng" algn="ctr">
+          <a:solidFill>
+            <a:schemeClr val="phClr"/>
+          </a:solidFill>
+          <a:prstDash val="solid"/>
+          <a:miter lim="800000"/>
+        </a:ln>
+      </a:lnStyleLst>
+      <a:effectStyleLst>
+        <a:effectStyle>
+          <a:effectLst/>
+        </a:effectStyle>
+        <a:effectStyle>
+          <a:effectLst/>
+        </a:effectStyle>
+        <a:effectStyle>
+          <a:effectLst>
+            <a:outerShdw blurRad="57150" dist="19050" dir="5400000" algn="ctr" rotWithShape="0">
+              <a:srgbClr val="000000">
+                <a:alpha val="63000"/>
+              </a:srgbClr>
+            </a:outerShdw>
+          </a:effectLst>
+        </a:effectStyle>
+      </a:effectStyleLst>
+      <a:bgFillStyleLst>
+        <a:solidFill>
+          <a:schemeClr val="phClr"/>
+        </a:solidFill>
+        <a:solidFill>
+          <a:schemeClr val="phClr">
+            <a:tint val="95000"/>
+            <a:satMod val="170000"/>
+          </a:schemeClr>
+        </a:solidFill>
+        <a:gradFill rotWithShape="1">
+          <a:gsLst>
+            <a:gs pos="0">
+              <a:schemeClr val="phClr">
+                <a:tint val="93000"/>
+                <a:satMod val="150000"/>
+                <a:shade val="98000"/>
+                <a:lumMod val="102000"/>
+              </a:schemeClr>
+            </a:gs>
+            <a:gs pos="50000">
+              <a:schemeClr val="phClr">
+                <a:tint val="98000"/>
+                <a:satMod val="130000"/>
+                <a:shade val="90000"/>
+                <a:lumMod val="103000"/>
+              </a:schemeClr>
+            </a:gs>
+            <a:gs pos="100000">
+              <a:schemeClr val="phClr">
+                <a:shade val="63000"/>
+                <a:satMod val="120000"/>
+              </a:schemeClr>
+            </a:gs>
+          </a:gsLst>
+          <a:lin ang="5400000" scaled="0"/>
+        </a:gradFill>
+      </a:bgFillStyleLst>
+    </a:fmtScheme>
+  </a:themeElements>
+  <a:objectDefaults/>
+  <a:extraClrSchemeLst/>
+  <a:extLst>
+    <a:ext uri="{05A4C25C-085E-4340-85A3-A5531E510DB2}">
+      <thm15:themeFamily xmlns:thm15="http://schemas.microsoft.com/office/thememl/2012/main" name="Office Theme" id="{62F939B6-93AF-4DB8-9C6B-D6C7DFDC589F}" vid="{4A3C46E8-61CC-4603-A589-7422A47A8E4A}"/>
+    </a:ext>
+  </a:extLst>
+</a:theme>
 </file>